--- a/WebContent/WAI.pptx
+++ b/WebContent/WAI.pptx
@@ -7832,7 +7832,7 @@
           </a:prstGeom>
           <a:extLst>
             <a:ext uri="{909E8E84-426E-40dd-AFC4-6F175D3DCCD1}">
-              <a14:hiddenFill xmlns="" xmlns:a14="http://schemas.microsoft.com/office/drawing/2010/main">
+              <a14:hiddenFill xmlns:a14="http://schemas.microsoft.com/office/drawing/2010/main" xmlns="">
                 <a:solidFill>
                   <a:srgbClr val="FFFFFF"/>
                 </a:solidFill>
@@ -8466,33 +8466,45 @@
         </p:spPr>
         <p:txBody>
           <a:bodyPr>
-            <a:normAutofit/>
+            <a:normAutofit lnSpcReduction="10000"/>
           </a:bodyPr>
           <a:lstStyle/>
           <a:p>
+            <a:r>
+              <a:rPr lang="de-DE" dirty="0" err="1">
+                <a:solidFill>
+                  <a:srgbClr val="FFFFFF"/>
+                </a:solidFill>
+              </a:rPr>
+              <a:t>Batuhan</a:t>
+            </a:r>
             <a:r>
               <a:rPr lang="de-DE" dirty="0">
                 <a:solidFill>
                   <a:srgbClr val="FFFFFF"/>
                 </a:solidFill>
               </a:rPr>
-              <a:t>… oder wie wir </a:t>
-            </a:r>
-            <a:r>
-              <a:rPr lang="de-DE" dirty="0" err="1">
-                <a:solidFill>
-                  <a:srgbClr val="FFFFFF"/>
-                </a:solidFill>
-              </a:rPr>
-              <a:t>Eclpise</a:t>
-            </a:r>
+              <a:t> Bayram</a:t>
+            </a:r>
+          </a:p>
+          <a:p>
             <a:r>
               <a:rPr lang="de-DE" dirty="0">
                 <a:solidFill>
                   <a:srgbClr val="FFFFFF"/>
                 </a:solidFill>
               </a:rPr>
-              <a:t> zum laufen brachten</a:t>
+              <a:t>Christopher Klumb</a:t>
+            </a:r>
+          </a:p>
+          <a:p>
+            <a:r>
+              <a:rPr lang="de-DE" dirty="0">
+                <a:solidFill>
+                  <a:srgbClr val="FFFFFF"/>
+                </a:solidFill>
+              </a:rPr>
+              <a:t>Daniel Schimpf</a:t>
             </a:r>
           </a:p>
         </p:txBody>
@@ -9199,7 +9211,7 @@
           <a:p>
             <a:r>
               <a:rPr lang="de-DE" dirty="0"/>
-              <a:t>Kunde sollte vorhandene Software verwenden</a:t>
+              <a:t>Kunde sollte lieber vorhandene Software verwenden</a:t>
             </a:r>
           </a:p>
         </p:txBody>
